--- a/color schemesnew.pptx
+++ b/color schemesnew.pptx
@@ -6,11 +6,12 @@
     <p:sldMasterId id="2147483663" r:id="rId2"/>
   </p:sldMasterIdLst>
   <p:notesMasterIdLst>
-    <p:notesMasterId r:id="rId5"/>
+    <p:notesMasterId r:id="rId6"/>
   </p:notesMasterIdLst>
   <p:sldIdLst>
     <p:sldId id="256" r:id="rId3"/>
     <p:sldId id="279" r:id="rId4"/>
+    <p:sldId id="280" r:id="rId5"/>
   </p:sldIdLst>
   <p:sldSz cx="9144000" cy="6858000" type="screen4x3"/>
   <p:notesSz cx="6858000" cy="9144000"/>
@@ -172,6 +173,15 @@
 </p:presentation>
 </file>
 
+<file path=ppt/revisionInfo.xml><?xml version="1.0" encoding="utf-8"?>
+<p1510:revInfo xmlns:a="http://schemas.openxmlformats.org/drawingml/2006/main" xmlns:r="http://schemas.openxmlformats.org/officeDocument/2006/relationships" xmlns:p1510="http://schemas.microsoft.com/office/powerpoint/2015/10/main">
+  <p1510:revLst>
+    <p1510:client id="{4FC3E2B1-448B-4BA2-A289-66B53987A496}" v="9" dt="2023-04-14T14:23:03.674"/>
+    <p1510:client id="{7A3F6F5D-79B4-4FD7-9B02-8D57F995744F}" v="2" dt="2023-05-03T21:02:51.747"/>
+  </p1510:revLst>
+</p1510:revInfo>
+</file>
+
 <file path=ppt/changesInfos/changesInfo1.xml><?xml version="1.0" encoding="utf-8"?>
 <pc:chgInfo xmlns:a="http://schemas.openxmlformats.org/drawingml/2006/main" xmlns:r="http://schemas.openxmlformats.org/officeDocument/2006/relationships" xmlns:ac="http://schemas.microsoft.com/office/drawing/2013/main/command" xmlns:pc="http://schemas.microsoft.com/office/powerpoint/2013/main/command">
   <pc:docChgLst>
@@ -227,6 +237,69 @@
           </ac:spMkLst>
         </pc:spChg>
       </pc:sldMasterChg>
+    </pc:docChg>
+  </pc:docChgLst>
+  <pc:docChgLst>
+    <pc:chgData name="A A" userId="eb3ff70e3e4bbf8d" providerId="Windows Live" clId="Web-{7A3F6F5D-79B4-4FD7-9B02-8D57F995744F}"/>
+    <pc:docChg chg="modSld">
+      <pc:chgData name="A A" userId="eb3ff70e3e4bbf8d" providerId="Windows Live" clId="Web-{7A3F6F5D-79B4-4FD7-9B02-8D57F995744F}" dt="2023-05-03T21:02:50.981" v="0"/>
+      <pc:docMkLst>
+        <pc:docMk/>
+      </pc:docMkLst>
+      <pc:sldChg chg="addSp modSp">
+        <pc:chgData name="A A" userId="eb3ff70e3e4bbf8d" providerId="Windows Live" clId="Web-{7A3F6F5D-79B4-4FD7-9B02-8D57F995744F}" dt="2023-05-03T21:02:50.981" v="0"/>
+        <pc:sldMkLst>
+          <pc:docMk/>
+          <pc:sldMk cId="3401711873" sldId="280"/>
+        </pc:sldMkLst>
+        <pc:picChg chg="add mod">
+          <ac:chgData name="A A" userId="eb3ff70e3e4bbf8d" providerId="Windows Live" clId="Web-{7A3F6F5D-79B4-4FD7-9B02-8D57F995744F}" dt="2023-05-03T21:02:50.981" v="0"/>
+          <ac:picMkLst>
+            <pc:docMk/>
+            <pc:sldMk cId="3401711873" sldId="280"/>
+            <ac:picMk id="2" creationId="{07C48EE8-A8F7-9572-64A2-AA37DDF9F7A4}"/>
+          </ac:picMkLst>
+        </pc:picChg>
+      </pc:sldChg>
+    </pc:docChg>
+  </pc:docChgLst>
+  <pc:docChgLst>
+    <pc:chgData name="A A" userId="eb3ff70e3e4bbf8d" providerId="Windows Live" clId="Web-{4FC3E2B1-448B-4BA2-A289-66B53987A496}"/>
+    <pc:docChg chg="addSld modSld">
+      <pc:chgData name="A A" userId="eb3ff70e3e4bbf8d" providerId="Windows Live" clId="Web-{4FC3E2B1-448B-4BA2-A289-66B53987A496}" dt="2023-04-14T14:23:03.674" v="8" actId="20577"/>
+      <pc:docMkLst>
+        <pc:docMk/>
+      </pc:docMkLst>
+      <pc:sldChg chg="modSp">
+        <pc:chgData name="A A" userId="eb3ff70e3e4bbf8d" providerId="Windows Live" clId="Web-{4FC3E2B1-448B-4BA2-A289-66B53987A496}" dt="2023-04-14T14:23:03.674" v="8" actId="20577"/>
+        <pc:sldMkLst>
+          <pc:docMk/>
+          <pc:sldMk cId="0" sldId="256"/>
+        </pc:sldMkLst>
+        <pc:spChg chg="mod">
+          <ac:chgData name="A A" userId="eb3ff70e3e4bbf8d" providerId="Windows Live" clId="Web-{4FC3E2B1-448B-4BA2-A289-66B53987A496}" dt="2023-04-14T14:23:03.674" v="8" actId="20577"/>
+          <ac:spMkLst>
+            <pc:docMk/>
+            <pc:sldMk cId="0" sldId="256"/>
+            <ac:spMk id="14339" creationId="{00000000-0000-0000-0000-000000000000}"/>
+          </ac:spMkLst>
+        </pc:spChg>
+      </pc:sldChg>
+      <pc:sldChg chg="modSp add replId">
+        <pc:chgData name="A A" userId="eb3ff70e3e4bbf8d" providerId="Windows Live" clId="Web-{4FC3E2B1-448B-4BA2-A289-66B53987A496}" dt="2023-04-14T14:14:22.386" v="5" actId="20577"/>
+        <pc:sldMkLst>
+          <pc:docMk/>
+          <pc:sldMk cId="3401711873" sldId="280"/>
+        </pc:sldMkLst>
+        <pc:spChg chg="mod">
+          <ac:chgData name="A A" userId="eb3ff70e3e4bbf8d" providerId="Windows Live" clId="Web-{4FC3E2B1-448B-4BA2-A289-66B53987A496}" dt="2023-04-14T14:14:22.386" v="5" actId="20577"/>
+          <ac:spMkLst>
+            <pc:docMk/>
+            <pc:sldMk cId="3401711873" sldId="280"/>
+            <ac:spMk id="15363" creationId="{00000000-0000-0000-0000-000000000000}"/>
+          </ac:spMkLst>
+        </pc:spChg>
+      </pc:sldChg>
     </pc:docChg>
   </pc:docChgLst>
 </pc:chgInfo>
@@ -1123,6 +1196,236 @@
         </p:txBody>
       </p:sp>
     </p:spTree>
+  </p:cSld>
+  <p:clrMapOvr>
+    <a:masterClrMapping/>
+  </p:clrMapOvr>
+</p:notes>
+</file>
+
+<file path=ppt/notesSlides/notesSlide3.xml><?xml version="1.0" encoding="utf-8"?>
+<p:notes xmlns:a="http://schemas.openxmlformats.org/drawingml/2006/main" xmlns:r="http://schemas.openxmlformats.org/officeDocument/2006/relationships" xmlns:p="http://schemas.openxmlformats.org/presentationml/2006/main">
+  <p:cSld>
+    <p:spTree>
+      <p:nvGrpSpPr>
+        <p:cNvPr id="1" name=""/>
+        <p:cNvGrpSpPr/>
+        <p:nvPr/>
+      </p:nvGrpSpPr>
+      <p:grpSpPr>
+        <a:xfrm>
+          <a:off x="0" y="0"/>
+          <a:ext cx="0" cy="0"/>
+          <a:chOff x="0" y="0"/>
+          <a:chExt cx="0" cy="0"/>
+        </a:xfrm>
+      </p:grpSpPr>
+      <p:sp>
+        <p:nvSpPr>
+          <p:cNvPr id="47106" name="Rectangle 7"/>
+          <p:cNvSpPr>
+            <a:spLocks noGrp="1" noChangeArrowheads="1"/>
+          </p:cNvSpPr>
+          <p:nvPr>
+            <p:ph type="sldNum" sz="quarter" idx="5"/>
+          </p:nvPr>
+        </p:nvSpPr>
+        <p:spPr>
+          <a:noFill/>
+          <a:ln/>
+          <a:extLst>
+            <a:ext uri="{909E8E84-426E-40DD-AFC4-6F175D3DCCD1}">
+              <a14:hiddenFill xmlns:a14="http://schemas.microsoft.com/office/drawing/2010/main">
+                <a:solidFill>
+                  <a:srgbClr val="FFFFFF"/>
+                </a:solidFill>
+              </a14:hiddenFill>
+            </a:ext>
+            <a:ext uri="{91240B29-F687-4F45-9708-019B960494DF}">
+              <a14:hiddenLine xmlns:a14="http://schemas.microsoft.com/office/drawing/2010/main" w="9525">
+                <a:solidFill>
+                  <a:srgbClr val="000000"/>
+                </a:solidFill>
+                <a:miter lim="800000"/>
+                <a:headEnd/>
+                <a:tailEnd/>
+              </a14:hiddenLine>
+            </a:ext>
+          </a:extLst>
+        </p:spPr>
+        <p:txBody>
+          <a:bodyPr/>
+          <a:lstStyle>
+            <a:lvl1pPr eaLnBrk="0" hangingPunct="0">
+              <a:defRPr sz="2400">
+                <a:solidFill>
+                  <a:schemeClr val="tx1"/>
+                </a:solidFill>
+                <a:latin typeface="Times New Roman" panose="02020603050405020304" pitchFamily="18" charset="0"/>
+              </a:defRPr>
+            </a:lvl1pPr>
+            <a:lvl2pPr marL="742950" indent="-285750" eaLnBrk="0" hangingPunct="0">
+              <a:defRPr sz="2400">
+                <a:solidFill>
+                  <a:schemeClr val="tx1"/>
+                </a:solidFill>
+                <a:latin typeface="Times New Roman" panose="02020603050405020304" pitchFamily="18" charset="0"/>
+              </a:defRPr>
+            </a:lvl2pPr>
+            <a:lvl3pPr marL="1143000" indent="-228600" eaLnBrk="0" hangingPunct="0">
+              <a:defRPr sz="2400">
+                <a:solidFill>
+                  <a:schemeClr val="tx1"/>
+                </a:solidFill>
+                <a:latin typeface="Times New Roman" panose="02020603050405020304" pitchFamily="18" charset="0"/>
+              </a:defRPr>
+            </a:lvl3pPr>
+            <a:lvl4pPr marL="1600200" indent="-228600" eaLnBrk="0" hangingPunct="0">
+              <a:defRPr sz="2400">
+                <a:solidFill>
+                  <a:schemeClr val="tx1"/>
+                </a:solidFill>
+                <a:latin typeface="Times New Roman" panose="02020603050405020304" pitchFamily="18" charset="0"/>
+              </a:defRPr>
+            </a:lvl4pPr>
+            <a:lvl5pPr marL="2057400" indent="-228600" eaLnBrk="0" hangingPunct="0">
+              <a:defRPr sz="2400">
+                <a:solidFill>
+                  <a:schemeClr val="tx1"/>
+                </a:solidFill>
+                <a:latin typeface="Times New Roman" panose="02020603050405020304" pitchFamily="18" charset="0"/>
+              </a:defRPr>
+            </a:lvl5pPr>
+            <a:lvl6pPr marL="2514600" indent="-228600" eaLnBrk="0" fontAlgn="base" hangingPunct="0">
+              <a:spcBef>
+                <a:spcPct val="0"/>
+              </a:spcBef>
+              <a:spcAft>
+                <a:spcPct val="0"/>
+              </a:spcAft>
+              <a:defRPr sz="2400">
+                <a:solidFill>
+                  <a:schemeClr val="tx1"/>
+                </a:solidFill>
+                <a:latin typeface="Times New Roman" panose="02020603050405020304" pitchFamily="18" charset="0"/>
+              </a:defRPr>
+            </a:lvl6pPr>
+            <a:lvl7pPr marL="2971800" indent="-228600" eaLnBrk="0" fontAlgn="base" hangingPunct="0">
+              <a:spcBef>
+                <a:spcPct val="0"/>
+              </a:spcBef>
+              <a:spcAft>
+                <a:spcPct val="0"/>
+              </a:spcAft>
+              <a:defRPr sz="2400">
+                <a:solidFill>
+                  <a:schemeClr val="tx1"/>
+                </a:solidFill>
+                <a:latin typeface="Times New Roman" panose="02020603050405020304" pitchFamily="18" charset="0"/>
+              </a:defRPr>
+            </a:lvl7pPr>
+            <a:lvl8pPr marL="3429000" indent="-228600" eaLnBrk="0" fontAlgn="base" hangingPunct="0">
+              <a:spcBef>
+                <a:spcPct val="0"/>
+              </a:spcBef>
+              <a:spcAft>
+                <a:spcPct val="0"/>
+              </a:spcAft>
+              <a:defRPr sz="2400">
+                <a:solidFill>
+                  <a:schemeClr val="tx1"/>
+                </a:solidFill>
+                <a:latin typeface="Times New Roman" panose="02020603050405020304" pitchFamily="18" charset="0"/>
+              </a:defRPr>
+            </a:lvl8pPr>
+            <a:lvl9pPr marL="3886200" indent="-228600" eaLnBrk="0" fontAlgn="base" hangingPunct="0">
+              <a:spcBef>
+                <a:spcPct val="0"/>
+              </a:spcBef>
+              <a:spcAft>
+                <a:spcPct val="0"/>
+              </a:spcAft>
+              <a:defRPr sz="2400">
+                <a:solidFill>
+                  <a:schemeClr val="tx1"/>
+                </a:solidFill>
+                <a:latin typeface="Times New Roman" panose="02020603050405020304" pitchFamily="18" charset="0"/>
+              </a:defRPr>
+            </a:lvl9pPr>
+          </a:lstStyle>
+          <a:p>
+            <a:pPr eaLnBrk="1" hangingPunct="1"/>
+            <a:fld id="{641BACC9-93FD-4DE6-B162-752AAE01347C}" type="slidenum">
+              <a:rPr lang="en-US" altLang="en-US" sz="1200"/>
+              <a:pPr eaLnBrk="1" hangingPunct="1"/>
+              <a:t>3</a:t>
+            </a:fld>
+            <a:endParaRPr lang="en-US" altLang="en-US" sz="1200"/>
+          </a:p>
+        </p:txBody>
+      </p:sp>
+      <p:sp>
+        <p:nvSpPr>
+          <p:cNvPr id="47107" name="Rectangle 2"/>
+          <p:cNvSpPr>
+            <a:spLocks noGrp="1" noRot="1" noChangeAspect="1" noChangeArrowheads="1" noTextEdit="1"/>
+          </p:cNvSpPr>
+          <p:nvPr>
+            <p:ph type="sldImg"/>
+          </p:nvPr>
+        </p:nvSpPr>
+        <p:spPr>
+          <a:ln/>
+        </p:spPr>
+      </p:sp>
+      <p:sp>
+        <p:nvSpPr>
+          <p:cNvPr id="47108" name="Rectangle 3"/>
+          <p:cNvSpPr>
+            <a:spLocks noGrp="1" noChangeArrowheads="1"/>
+          </p:cNvSpPr>
+          <p:nvPr>
+            <p:ph type="body" idx="1"/>
+          </p:nvPr>
+        </p:nvSpPr>
+        <p:spPr>
+          <a:noFill/>
+          <a:ln/>
+          <a:extLst>
+            <a:ext uri="{909E8E84-426E-40DD-AFC4-6F175D3DCCD1}">
+              <a14:hiddenFill xmlns:a14="http://schemas.microsoft.com/office/drawing/2010/main">
+                <a:solidFill>
+                  <a:srgbClr val="FFFFFF"/>
+                </a:solidFill>
+              </a14:hiddenFill>
+            </a:ext>
+            <a:ext uri="{91240B29-F687-4F45-9708-019B960494DF}">
+              <a14:hiddenLine xmlns:a14="http://schemas.microsoft.com/office/drawing/2010/main" w="9525">
+                <a:solidFill>
+                  <a:srgbClr val="000000"/>
+                </a:solidFill>
+                <a:miter lim="800000"/>
+                <a:headEnd/>
+                <a:tailEnd/>
+              </a14:hiddenLine>
+            </a:ext>
+          </a:extLst>
+        </p:spPr>
+        <p:txBody>
+          <a:bodyPr/>
+          <a:lstStyle/>
+          <a:p>
+            <a:pPr eaLnBrk="1" hangingPunct="1"/>
+            <a:endParaRPr lang="en-US" altLang="en-US"/>
+          </a:p>
+        </p:txBody>
+      </p:sp>
+    </p:spTree>
+    <p:extLst>
+      <p:ext uri="{BB962C8B-B14F-4D97-AF65-F5344CB8AC3E}">
+        <p14:creationId xmlns:p14="http://schemas.microsoft.com/office/powerpoint/2010/main" val="1968992876"/>
+      </p:ext>
+    </p:extLst>
   </p:cSld>
   <p:clrMapOvr>
     <a:masterClrMapping/>
@@ -8342,9 +8645,12 @@
               </a:lnSpc>
             </a:pPr>
             <a:r>
-              <a:rPr lang="en-US" altLang="en-US"/>
+              <a:rPr lang="en-US" altLang="en-US" dirty="0"/>
               <a:t>Fonts in the same color family as the background do not show up well.</a:t>
             </a:r>
+            <a:endParaRPr lang="en-US" altLang="en-US" dirty="0">
+              <a:cs typeface="Times New Roman"/>
+            </a:endParaRPr>
           </a:p>
           <a:p>
             <a:pPr eaLnBrk="1" hangingPunct="1">
@@ -8353,9 +8659,12 @@
               </a:lnSpc>
             </a:pPr>
             <a:r>
-              <a:rPr lang="en-US" altLang="en-US"/>
+              <a:rPr lang="en-US" altLang="en-US" dirty="0"/>
               <a:t>Here are some tips for good color combinations</a:t>
             </a:r>
+            <a:endParaRPr lang="en-US" altLang="en-US" dirty="0">
+              <a:cs typeface="Times New Roman"/>
+            </a:endParaRPr>
           </a:p>
           <a:p>
             <a:pPr lvl="1" eaLnBrk="1" hangingPunct="1">
@@ -8364,9 +8673,12 @@
               </a:lnSpc>
             </a:pPr>
             <a:r>
-              <a:rPr lang="en-US" altLang="en-US"/>
+              <a:rPr lang="en-US" altLang="en-US" dirty="0"/>
               <a:t>Use the Design Templates</a:t>
             </a:r>
+            <a:endParaRPr lang="en-US" altLang="en-US" dirty="0">
+              <a:cs typeface="Times New Roman"/>
+            </a:endParaRPr>
           </a:p>
           <a:p>
             <a:pPr lvl="2" eaLnBrk="1" hangingPunct="1">
@@ -8375,9 +8687,12 @@
               </a:lnSpc>
             </a:pPr>
             <a:r>
-              <a:rPr lang="en-US" altLang="en-US"/>
+              <a:rPr lang="en-US" altLang="en-US" dirty="0"/>
               <a:t>Go under the format menu and select Slide Design</a:t>
             </a:r>
+            <a:endParaRPr lang="en-US" altLang="en-US" dirty="0">
+              <a:cs typeface="Times New Roman"/>
+            </a:endParaRPr>
           </a:p>
           <a:p>
             <a:pPr lvl="1" eaLnBrk="1" hangingPunct="1">
@@ -8386,9 +8701,12 @@
               </a:lnSpc>
             </a:pPr>
             <a:r>
-              <a:rPr lang="en-US" altLang="en-US"/>
+              <a:rPr lang="en-US" altLang="en-US" dirty="0"/>
               <a:t>Use the Standard Color schemes</a:t>
             </a:r>
+            <a:endParaRPr lang="en-US" altLang="en-US" dirty="0">
+              <a:cs typeface="Times New Roman"/>
+            </a:endParaRPr>
           </a:p>
           <a:p>
             <a:pPr lvl="2" eaLnBrk="1" hangingPunct="1">
@@ -8397,9 +8715,32 @@
               </a:lnSpc>
             </a:pPr>
             <a:r>
-              <a:rPr lang="en-US" altLang="en-US"/>
+              <a:rPr lang="en-US" altLang="en-US" dirty="0"/>
               <a:t>You can’t go wrong with the dark blue background and yellow or white text</a:t>
             </a:r>
+            <a:endParaRPr lang="en-US" altLang="en-US" dirty="0">
+              <a:cs typeface="Times New Roman"/>
+            </a:endParaRPr>
+          </a:p>
+          <a:p>
+            <a:pPr lvl="2">
+              <a:lnSpc>
+                <a:spcPct val="90000"/>
+              </a:lnSpc>
+            </a:pPr>
+            <a:endParaRPr lang="en-US" altLang="en-US" dirty="0">
+              <a:cs typeface="Times New Roman"/>
+            </a:endParaRPr>
+          </a:p>
+          <a:p>
+            <a:pPr lvl="2">
+              <a:lnSpc>
+                <a:spcPct val="90000"/>
+              </a:lnSpc>
+            </a:pPr>
+            <a:endParaRPr lang="en-US" altLang="en-US" dirty="0">
+              <a:cs typeface="Times New Roman"/>
+            </a:endParaRPr>
           </a:p>
         </p:txBody>
       </p:sp>
@@ -8613,6 +8954,298 @@
         </p:txBody>
       </p:sp>
     </p:spTree>
+  </p:cSld>
+  <p:clrMapOvr>
+    <a:masterClrMapping/>
+  </p:clrMapOvr>
+  <p:transition>
+    <p:random/>
+  </p:transition>
+</p:sld>
+</file>
+
+<file path=ppt/slides/slide3.xml><?xml version="1.0" encoding="utf-8"?>
+<p:sld xmlns:a="http://schemas.openxmlformats.org/drawingml/2006/main" xmlns:r="http://schemas.openxmlformats.org/officeDocument/2006/relationships" xmlns:p="http://schemas.openxmlformats.org/presentationml/2006/main">
+  <p:cSld>
+    <p:bg>
+      <p:bgPr>
+        <a:gradFill rotWithShape="0">
+          <a:gsLst>
+            <a:gs pos="0">
+              <a:srgbClr val="0066FF"/>
+            </a:gs>
+            <a:gs pos="100000">
+              <a:srgbClr val="001636"/>
+            </a:gs>
+          </a:gsLst>
+          <a:lin ang="5400000" scaled="1"/>
+        </a:gradFill>
+        <a:effectLst/>
+      </p:bgPr>
+    </p:bg>
+    <p:spTree>
+      <p:nvGrpSpPr>
+        <p:cNvPr id="1" name=""/>
+        <p:cNvGrpSpPr/>
+        <p:nvPr/>
+      </p:nvGrpSpPr>
+      <p:grpSpPr>
+        <a:xfrm>
+          <a:off x="0" y="0"/>
+          <a:ext cx="0" cy="0"/>
+          <a:chOff x="0" y="0"/>
+          <a:chExt cx="0" cy="0"/>
+        </a:xfrm>
+      </p:grpSpPr>
+      <p:sp>
+        <p:nvSpPr>
+          <p:cNvPr id="15362" name="Rectangle 2"/>
+          <p:cNvSpPr>
+            <a:spLocks noGrp="1" noChangeArrowheads="1"/>
+          </p:cNvSpPr>
+          <p:nvPr>
+            <p:ph type="title"/>
+          </p:nvPr>
+        </p:nvSpPr>
+        <p:spPr/>
+        <p:txBody>
+          <a:bodyPr/>
+          <a:lstStyle/>
+          <a:p>
+            <a:pPr eaLnBrk="1" hangingPunct="1"/>
+            <a:r>
+              <a:rPr lang="en-US" altLang="en-US">
+                <a:solidFill>
+                  <a:srgbClr val="000000"/>
+                </a:solidFill>
+              </a:rPr>
+              <a:t>Another Bad Color Scheme</a:t>
+            </a:r>
+          </a:p>
+        </p:txBody>
+      </p:sp>
+      <p:sp>
+        <p:nvSpPr>
+          <p:cNvPr id="15363" name="Rectangle 3"/>
+          <p:cNvSpPr>
+            <a:spLocks noGrp="1" noChangeArrowheads="1"/>
+          </p:cNvSpPr>
+          <p:nvPr>
+            <p:ph type="body" idx="1"/>
+          </p:nvPr>
+        </p:nvSpPr>
+        <p:spPr>
+          <a:xfrm>
+            <a:off x="457200" y="1600200"/>
+            <a:ext cx="8229600" cy="4876800"/>
+          </a:xfrm>
+        </p:spPr>
+        <p:txBody>
+          <a:bodyPr/>
+          <a:lstStyle/>
+          <a:p>
+            <a:pPr eaLnBrk="1" hangingPunct="1">
+              <a:lnSpc>
+                <a:spcPct val="90000"/>
+              </a:lnSpc>
+            </a:pPr>
+            <a:r>
+              <a:rPr lang="en-US" altLang="en-US" dirty="0">
+                <a:solidFill>
+                  <a:srgbClr val="000000"/>
+                </a:solidFill>
+              </a:rPr>
+              <a:t>Dark text on dark background</a:t>
+            </a:r>
+          </a:p>
+          <a:p>
+            <a:pPr eaLnBrk="1" hangingPunct="1">
+              <a:lnSpc>
+                <a:spcPct val="90000"/>
+              </a:lnSpc>
+            </a:pPr>
+            <a:r>
+              <a:rPr lang="en-US" altLang="en-US" dirty="0">
+                <a:solidFill>
+                  <a:srgbClr val="000000"/>
+                </a:solidFill>
+              </a:rPr>
+              <a:t>Beware of shaded backgrounds</a:t>
+            </a:r>
+            <a:endParaRPr lang="en-US" altLang="en-US" dirty="0">
+              <a:solidFill>
+                <a:srgbClr val="000000"/>
+              </a:solidFill>
+              <a:cs typeface="Arial"/>
+            </a:endParaRPr>
+          </a:p>
+          <a:p>
+            <a:pPr eaLnBrk="1" hangingPunct="1">
+              <a:lnSpc>
+                <a:spcPct val="90000"/>
+              </a:lnSpc>
+            </a:pPr>
+            <a:r>
+              <a:rPr lang="en-US" sz="1100" dirty="0">
+                <a:solidFill>
+                  <a:srgbClr val="000000"/>
+                </a:solidFill>
+                <a:latin typeface="Calibri"/>
+                <a:cs typeface="Calibri"/>
+              </a:rPr>
+              <a:t>test</a:t>
+            </a:r>
+            <a:endParaRPr lang="en-US" altLang="en-US" dirty="0">
+              <a:solidFill>
+                <a:srgbClr val="000000"/>
+              </a:solidFill>
+            </a:endParaRPr>
+          </a:p>
+          <a:p>
+            <a:pPr eaLnBrk="1" hangingPunct="1">
+              <a:lnSpc>
+                <a:spcPct val="90000"/>
+              </a:lnSpc>
+            </a:pPr>
+            <a:r>
+              <a:rPr lang="en-US" sz="1100" dirty="0">
+                <a:solidFill>
+                  <a:srgbClr val="000000"/>
+                </a:solidFill>
+                <a:latin typeface="Calibri"/>
+                <a:cs typeface="Calibri"/>
+              </a:rPr>
+              <a:t>Test</a:t>
+            </a:r>
+            <a:endParaRPr lang="en-US" altLang="en-US" dirty="0">
+              <a:solidFill>
+                <a:srgbClr val="000000"/>
+              </a:solidFill>
+              <a:latin typeface="Arial"/>
+              <a:cs typeface="Arial"/>
+            </a:endParaRPr>
+          </a:p>
+          <a:p>
+            <a:pPr>
+              <a:lnSpc>
+                <a:spcPct val="90000"/>
+              </a:lnSpc>
+            </a:pPr>
+            <a:endParaRPr lang="en-US" sz="1100" dirty="0">
+              <a:solidFill>
+                <a:srgbClr val="000000"/>
+              </a:solidFill>
+              <a:latin typeface="Calibri"/>
+              <a:cs typeface="Calibri"/>
+            </a:endParaRPr>
+          </a:p>
+          <a:p>
+            <a:pPr eaLnBrk="1" hangingPunct="1">
+              <a:lnSpc>
+                <a:spcPct val="90000"/>
+              </a:lnSpc>
+            </a:pPr>
+            <a:endParaRPr lang="en-US" altLang="en-US">
+              <a:solidFill>
+                <a:srgbClr val="000000"/>
+              </a:solidFill>
+            </a:endParaRPr>
+          </a:p>
+          <a:p>
+            <a:pPr eaLnBrk="1" hangingPunct="1">
+              <a:lnSpc>
+                <a:spcPct val="90000"/>
+              </a:lnSpc>
+            </a:pPr>
+            <a:endParaRPr lang="en-US" altLang="en-US">
+              <a:solidFill>
+                <a:srgbClr val="000000"/>
+              </a:solidFill>
+            </a:endParaRPr>
+          </a:p>
+          <a:p>
+            <a:pPr eaLnBrk="1" hangingPunct="1">
+              <a:lnSpc>
+                <a:spcPct val="90000"/>
+              </a:lnSpc>
+            </a:pPr>
+            <a:endParaRPr lang="en-US" altLang="en-US">
+              <a:solidFill>
+                <a:srgbClr val="000000"/>
+              </a:solidFill>
+            </a:endParaRPr>
+          </a:p>
+          <a:p>
+            <a:pPr eaLnBrk="1" hangingPunct="1">
+              <a:lnSpc>
+                <a:spcPct val="90000"/>
+              </a:lnSpc>
+            </a:pPr>
+            <a:endParaRPr lang="en-US" altLang="en-US">
+              <a:solidFill>
+                <a:srgbClr val="000000"/>
+              </a:solidFill>
+            </a:endParaRPr>
+          </a:p>
+          <a:p>
+            <a:pPr eaLnBrk="1" hangingPunct="1">
+              <a:lnSpc>
+                <a:spcPct val="90000"/>
+              </a:lnSpc>
+            </a:pPr>
+            <a:r>
+              <a:rPr lang="en-US" altLang="en-US" dirty="0">
+                <a:solidFill>
+                  <a:srgbClr val="000000"/>
+                </a:solidFill>
+              </a:rPr>
+              <a:t>The dark text is harder to read down here</a:t>
+            </a:r>
+            <a:endParaRPr lang="en-US" altLang="en-US" dirty="0">
+              <a:solidFill>
+                <a:srgbClr val="000000"/>
+              </a:solidFill>
+              <a:cs typeface="Arial"/>
+            </a:endParaRPr>
+          </a:p>
+        </p:txBody>
+      </p:sp>
+      <p:pic>
+        <p:nvPicPr>
+          <p:cNvPr id="2" name="Picture 2" descr="Graphical user interface, application, email&#10;&#10;Description automatically generated">
+            <a:extLst>
+              <a:ext uri="{FF2B5EF4-FFF2-40B4-BE49-F238E27FC236}">
+                <a16:creationId xmlns:a16="http://schemas.microsoft.com/office/drawing/2014/main" id="{07C48EE8-A8F7-9572-64A2-AA37DDF9F7A4}"/>
+              </a:ext>
+            </a:extLst>
+          </p:cNvPr>
+          <p:cNvPicPr>
+            <a:picLocks noChangeAspect="1"/>
+          </p:cNvPicPr>
+          <p:nvPr/>
+        </p:nvPicPr>
+        <p:blipFill>
+          <a:blip r:embed="rId3"/>
+          <a:stretch>
+            <a:fillRect/>
+          </a:stretch>
+        </p:blipFill>
+        <p:spPr>
+          <a:xfrm>
+            <a:off x="3200400" y="2805146"/>
+            <a:ext cx="2743200" cy="1247709"/>
+          </a:xfrm>
+          <a:prstGeom prst="rect">
+            <a:avLst/>
+          </a:prstGeom>
+        </p:spPr>
+      </p:pic>
+    </p:spTree>
+    <p:extLst>
+      <p:ext uri="{BB962C8B-B14F-4D97-AF65-F5344CB8AC3E}">
+        <p14:creationId xmlns:p14="http://schemas.microsoft.com/office/powerpoint/2010/main" val="3401711873"/>
+      </p:ext>
+    </p:extLst>
   </p:cSld>
   <p:clrMapOvr>
     <a:masterClrMapping/>
